--- a/venn_diagram.pptx
+++ b/venn_diagram.pptx
@@ -6388,7 +6388,7 @@
                   <a:latin typeface="Times New Roman"/>
                   <a:cs typeface="Times New Roman"/>
                 </a:rPr>
-                <a:t>20371	          64822            29591</a:t>
+                <a:t>21243	          63950            30463</a:t>
               </a:r>
               <a:endParaRPr lang="en-US" sz="2000" dirty="0">
                 <a:latin typeface="Times New Roman"/>

--- a/venn_diagram.pptx
+++ b/venn_diagram.pptx
@@ -7,6 +7,7 @@
   <p:sldIdLst>
     <p:sldId id="256" r:id="rId2"/>
     <p:sldId id="257" r:id="rId3"/>
+    <p:sldId id="258" r:id="rId4"/>
   </p:sldIdLst>
   <p:sldSz cx="9144000" cy="6858000" type="screen4x3"/>
   <p:notesSz cx="6858000" cy="9144000"/>
@@ -1039,13 +1040,13 @@
     </dgm:pt>
   </dgm:ptLst>
   <dgm:cxnLst>
+    <dgm:cxn modelId="{086C1081-8FF7-E745-B7A6-8F506BCB37AD}" type="presOf" srcId="{E796BEB7-961D-A748-A5E1-4367528FBD53}" destId="{710C23DF-6226-4C49-811B-A9A6ABAA675A}" srcOrd="0" destOrd="0" presId="urn:microsoft.com/office/officeart/2005/8/layout/venn1"/>
+    <dgm:cxn modelId="{C433CB40-6D8F-1849-88F2-BC60DDE4B688}" type="presOf" srcId="{05466895-0C28-F54A-871A-538860AE5F4A}" destId="{F852EC4F-F262-D84C-BB5E-723F05408922}" srcOrd="0" destOrd="0" presId="urn:microsoft.com/office/officeart/2005/8/layout/venn1"/>
+    <dgm:cxn modelId="{D68FC90A-7A88-1B44-A9A6-C929D06261B2}" srcId="{DE4DF3FA-018C-0D44-96D5-921B78FF9E23}" destId="{E796BEB7-961D-A748-A5E1-4367528FBD53}" srcOrd="0" destOrd="0" parTransId="{1735FFBC-5B7D-F24B-AEC8-F21E5E2A4281}" sibTransId="{DCA68F9C-3A49-F643-99F4-C4AD24457930}"/>
+    <dgm:cxn modelId="{DB592C30-2849-6C40-9264-8370C04968A5}" srcId="{DE4DF3FA-018C-0D44-96D5-921B78FF9E23}" destId="{05466895-0C28-F54A-871A-538860AE5F4A}" srcOrd="1" destOrd="0" parTransId="{355B040C-DD37-734B-87AC-5A48F6C82B28}" sibTransId="{55DBA04E-757B-F446-9B4B-56AF577546DE}"/>
+    <dgm:cxn modelId="{933229BD-5C70-5B40-9886-D54C4FA831B3}" type="presOf" srcId="{E796BEB7-961D-A748-A5E1-4367528FBD53}" destId="{CF93E0E6-05C9-0E42-B528-3B467F94DDF4}" srcOrd="1" destOrd="0" presId="urn:microsoft.com/office/officeart/2005/8/layout/venn1"/>
     <dgm:cxn modelId="{01E520BD-62A7-D845-BB71-1817D8BCCC60}" type="presOf" srcId="{05466895-0C28-F54A-871A-538860AE5F4A}" destId="{9FDD69A0-B438-2B43-8C8B-90848753F8FC}" srcOrd="1" destOrd="0" presId="urn:microsoft.com/office/officeart/2005/8/layout/venn1"/>
-    <dgm:cxn modelId="{C433CB40-6D8F-1849-88F2-BC60DDE4B688}" type="presOf" srcId="{05466895-0C28-F54A-871A-538860AE5F4A}" destId="{F852EC4F-F262-D84C-BB5E-723F05408922}" srcOrd="0" destOrd="0" presId="urn:microsoft.com/office/officeart/2005/8/layout/venn1"/>
-    <dgm:cxn modelId="{086C1081-8FF7-E745-B7A6-8F506BCB37AD}" type="presOf" srcId="{E796BEB7-961D-A748-A5E1-4367528FBD53}" destId="{710C23DF-6226-4C49-811B-A9A6ABAA675A}" srcOrd="0" destOrd="0" presId="urn:microsoft.com/office/officeart/2005/8/layout/venn1"/>
     <dgm:cxn modelId="{0926B85F-9BEC-1747-84D3-21EE9C84BA61}" type="presOf" srcId="{DE4DF3FA-018C-0D44-96D5-921B78FF9E23}" destId="{E2585D83-DCBD-8D48-9DF9-074F6E78C1F6}" srcOrd="0" destOrd="0" presId="urn:microsoft.com/office/officeart/2005/8/layout/venn1"/>
-    <dgm:cxn modelId="{933229BD-5C70-5B40-9886-D54C4FA831B3}" type="presOf" srcId="{E796BEB7-961D-A748-A5E1-4367528FBD53}" destId="{CF93E0E6-05C9-0E42-B528-3B467F94DDF4}" srcOrd="1" destOrd="0" presId="urn:microsoft.com/office/officeart/2005/8/layout/venn1"/>
-    <dgm:cxn modelId="{DB592C30-2849-6C40-9264-8370C04968A5}" srcId="{DE4DF3FA-018C-0D44-96D5-921B78FF9E23}" destId="{05466895-0C28-F54A-871A-538860AE5F4A}" srcOrd="1" destOrd="0" parTransId="{355B040C-DD37-734B-87AC-5A48F6C82B28}" sibTransId="{55DBA04E-757B-F446-9B4B-56AF577546DE}"/>
-    <dgm:cxn modelId="{D68FC90A-7A88-1B44-A9A6-C929D06261B2}" srcId="{DE4DF3FA-018C-0D44-96D5-921B78FF9E23}" destId="{E796BEB7-961D-A748-A5E1-4367528FBD53}" srcOrd="0" destOrd="0" parTransId="{1735FFBC-5B7D-F24B-AEC8-F21E5E2A4281}" sibTransId="{DCA68F9C-3A49-F643-99F4-C4AD24457930}"/>
     <dgm:cxn modelId="{4EC2130B-CEF2-BF44-9C3A-4FB073EF87A9}" type="presParOf" srcId="{E2585D83-DCBD-8D48-9DF9-074F6E78C1F6}" destId="{710C23DF-6226-4C49-811B-A9A6ABAA675A}" srcOrd="0" destOrd="0" presId="urn:microsoft.com/office/officeart/2005/8/layout/venn1"/>
     <dgm:cxn modelId="{190B6EB7-9F10-4841-874B-E28499A5BF5D}" type="presParOf" srcId="{E2585D83-DCBD-8D48-9DF9-074F6E78C1F6}" destId="{CF93E0E6-05C9-0E42-B528-3B467F94DDF4}" srcOrd="1" destOrd="0" presId="urn:microsoft.com/office/officeart/2005/8/layout/venn1"/>
     <dgm:cxn modelId="{B7EA5558-39AA-2446-B14D-635A4F95DFB2}" type="presParOf" srcId="{E2585D83-DCBD-8D48-9DF9-074F6E78C1F6}" destId="{F852EC4F-F262-D84C-BB5E-723F05408922}" srcOrd="2" destOrd="0" presId="urn:microsoft.com/office/officeart/2005/8/layout/venn1"/>
@@ -3343,7 +3344,7 @@
           <a:p>
             <a:fld id="{62858B78-A8ED-E84D-9B0E-390AB11B7C90}" type="datetimeFigureOut">
               <a:rPr lang="en-US" smtClean="0"/>
-              <a:t>7/15/15</a:t>
+              <a:t>7/16/15</a:t>
             </a:fld>
             <a:endParaRPr lang="en-US"/>
           </a:p>
@@ -3513,7 +3514,7 @@
           <a:p>
             <a:fld id="{62858B78-A8ED-E84D-9B0E-390AB11B7C90}" type="datetimeFigureOut">
               <a:rPr lang="en-US" smtClean="0"/>
-              <a:t>7/15/15</a:t>
+              <a:t>7/16/15</a:t>
             </a:fld>
             <a:endParaRPr lang="en-US"/>
           </a:p>
@@ -3693,7 +3694,7 @@
           <a:p>
             <a:fld id="{62858B78-A8ED-E84D-9B0E-390AB11B7C90}" type="datetimeFigureOut">
               <a:rPr lang="en-US" smtClean="0"/>
-              <a:t>7/15/15</a:t>
+              <a:t>7/16/15</a:t>
             </a:fld>
             <a:endParaRPr lang="en-US"/>
           </a:p>
@@ -3863,7 +3864,7 @@
           <a:p>
             <a:fld id="{62858B78-A8ED-E84D-9B0E-390AB11B7C90}" type="datetimeFigureOut">
               <a:rPr lang="en-US" smtClean="0"/>
-              <a:t>7/15/15</a:t>
+              <a:t>7/16/15</a:t>
             </a:fld>
             <a:endParaRPr lang="en-US"/>
           </a:p>
@@ -4109,7 +4110,7 @@
           <a:p>
             <a:fld id="{62858B78-A8ED-E84D-9B0E-390AB11B7C90}" type="datetimeFigureOut">
               <a:rPr lang="en-US" smtClean="0"/>
-              <a:t>7/15/15</a:t>
+              <a:t>7/16/15</a:t>
             </a:fld>
             <a:endParaRPr lang="en-US"/>
           </a:p>
@@ -4397,7 +4398,7 @@
           <a:p>
             <a:fld id="{62858B78-A8ED-E84D-9B0E-390AB11B7C90}" type="datetimeFigureOut">
               <a:rPr lang="en-US" smtClean="0"/>
-              <a:t>7/15/15</a:t>
+              <a:t>7/16/15</a:t>
             </a:fld>
             <a:endParaRPr lang="en-US"/>
           </a:p>
@@ -4819,7 +4820,7 @@
           <a:p>
             <a:fld id="{62858B78-A8ED-E84D-9B0E-390AB11B7C90}" type="datetimeFigureOut">
               <a:rPr lang="en-US" smtClean="0"/>
-              <a:t>7/15/15</a:t>
+              <a:t>7/16/15</a:t>
             </a:fld>
             <a:endParaRPr lang="en-US"/>
           </a:p>
@@ -4937,7 +4938,7 @@
           <a:p>
             <a:fld id="{62858B78-A8ED-E84D-9B0E-390AB11B7C90}" type="datetimeFigureOut">
               <a:rPr lang="en-US" smtClean="0"/>
-              <a:t>7/15/15</a:t>
+              <a:t>7/16/15</a:t>
             </a:fld>
             <a:endParaRPr lang="en-US"/>
           </a:p>
@@ -5032,7 +5033,7 @@
           <a:p>
             <a:fld id="{62858B78-A8ED-E84D-9B0E-390AB11B7C90}" type="datetimeFigureOut">
               <a:rPr lang="en-US" smtClean="0"/>
-              <a:t>7/15/15</a:t>
+              <a:t>7/16/15</a:t>
             </a:fld>
             <a:endParaRPr lang="en-US"/>
           </a:p>
@@ -5309,7 +5310,7 @@
           <a:p>
             <a:fld id="{62858B78-A8ED-E84D-9B0E-390AB11B7C90}" type="datetimeFigureOut">
               <a:rPr lang="en-US" smtClean="0"/>
-              <a:t>7/15/15</a:t>
+              <a:t>7/16/15</a:t>
             </a:fld>
             <a:endParaRPr lang="en-US"/>
           </a:p>
@@ -5562,7 +5563,7 @@
           <a:p>
             <a:fld id="{62858B78-A8ED-E84D-9B0E-390AB11B7C90}" type="datetimeFigureOut">
               <a:rPr lang="en-US" smtClean="0"/>
-              <a:t>7/15/15</a:t>
+              <a:t>7/16/15</a:t>
             </a:fld>
             <a:endParaRPr lang="en-US"/>
           </a:p>
@@ -5775,7 +5776,7 @@
           <a:p>
             <a:fld id="{62858B78-A8ED-E84D-9B0E-390AB11B7C90}" type="datetimeFigureOut">
               <a:rPr lang="en-US" smtClean="0"/>
-              <a:t>7/15/15</a:t>
+              <a:t>7/16/15</a:t>
             </a:fld>
             <a:endParaRPr lang="en-US"/>
           </a:p>
@@ -6210,7 +6211,7 @@
         </p:nvGrpSpPr>
         <p:grpSpPr>
           <a:xfrm>
-            <a:off x="1524534" y="3710635"/>
+            <a:off x="2883096" y="1404004"/>
             <a:ext cx="3786768" cy="2949786"/>
             <a:chOff x="1524534" y="3710635"/>
             <a:chExt cx="3786768" cy="2949786"/>
@@ -6402,6 +6403,257 @@
     <p:extLst>
       <p:ext uri="{BB962C8B-B14F-4D97-AF65-F5344CB8AC3E}">
         <p14:creationId xmlns:p14="http://schemas.microsoft.com/office/powerpoint/2010/main" val="905441220"/>
+      </p:ext>
+    </p:extLst>
+  </p:cSld>
+  <p:clrMapOvr>
+    <a:masterClrMapping/>
+  </p:clrMapOvr>
+</p:sld>
+</file>
+
+<file path=ppt/slides/slide3.xml><?xml version="1.0" encoding="utf-8"?>
+<p:sld xmlns:a="http://schemas.openxmlformats.org/drawingml/2006/main" xmlns:r="http://schemas.openxmlformats.org/officeDocument/2006/relationships" xmlns:p="http://schemas.openxmlformats.org/presentationml/2006/main">
+  <p:cSld>
+    <p:spTree>
+      <p:nvGrpSpPr>
+        <p:cNvPr id="1" name=""/>
+        <p:cNvGrpSpPr/>
+        <p:nvPr/>
+      </p:nvGrpSpPr>
+      <p:grpSpPr>
+        <a:xfrm>
+          <a:off x="0" y="0"/>
+          <a:ext cx="0" cy="0"/>
+          <a:chOff x="0" y="0"/>
+          <a:chExt cx="0" cy="0"/>
+        </a:xfrm>
+      </p:grpSpPr>
+      <p:grpSp>
+        <p:nvGrpSpPr>
+          <p:cNvPr id="2" name="Group 1"/>
+          <p:cNvGrpSpPr/>
+          <p:nvPr/>
+        </p:nvGrpSpPr>
+        <p:grpSpPr>
+          <a:xfrm>
+            <a:off x="2883096" y="1404004"/>
+            <a:ext cx="3786768" cy="2949786"/>
+            <a:chOff x="1524534" y="3710635"/>
+            <a:chExt cx="3786768" cy="2949786"/>
+          </a:xfrm>
+        </p:grpSpPr>
+        <p:sp>
+          <p:nvSpPr>
+            <p:cNvPr id="3" name="Oval 2"/>
+            <p:cNvSpPr/>
+            <p:nvPr/>
+          </p:nvSpPr>
+          <p:spPr>
+            <a:xfrm>
+              <a:off x="1524534" y="3710635"/>
+              <a:ext cx="2947146" cy="2949786"/>
+            </a:xfrm>
+            <a:prstGeom prst="ellipse">
+              <a:avLst/>
+            </a:prstGeom>
+            <a:solidFill>
+              <a:srgbClr val="FFFFFF">
+                <a:alpha val="0"/>
+              </a:srgbClr>
+            </a:solidFill>
+            <a:ln>
+              <a:solidFill>
+                <a:schemeClr val="accent6"/>
+              </a:solidFill>
+            </a:ln>
+          </p:spPr>
+          <p:style>
+            <a:lnRef idx="1">
+              <a:schemeClr val="accent2"/>
+            </a:lnRef>
+            <a:fillRef idx="3">
+              <a:schemeClr val="accent2"/>
+            </a:fillRef>
+            <a:effectRef idx="2">
+              <a:schemeClr val="accent2"/>
+            </a:effectRef>
+            <a:fontRef idx="minor">
+              <a:schemeClr val="lt1"/>
+            </a:fontRef>
+          </p:style>
+          <p:txBody>
+            <a:bodyPr rtlCol="0" anchor="ctr"/>
+            <a:lstStyle/>
+            <a:p>
+              <a:pPr algn="ctr"/>
+              <a:endParaRPr lang="en-US" dirty="0"/>
+            </a:p>
+          </p:txBody>
+        </p:sp>
+        <p:sp>
+          <p:nvSpPr>
+            <p:cNvPr id="4" name="Oval 3"/>
+            <p:cNvSpPr/>
+            <p:nvPr/>
+          </p:nvSpPr>
+          <p:spPr>
+            <a:xfrm>
+              <a:off x="2363458" y="3710635"/>
+              <a:ext cx="2947146" cy="2949786"/>
+            </a:xfrm>
+            <a:prstGeom prst="ellipse">
+              <a:avLst/>
+            </a:prstGeom>
+            <a:noFill/>
+            <a:ln>
+              <a:solidFill>
+                <a:schemeClr val="accent2"/>
+              </a:solidFill>
+            </a:ln>
+          </p:spPr>
+          <p:style>
+            <a:lnRef idx="1">
+              <a:schemeClr val="accent2"/>
+            </a:lnRef>
+            <a:fillRef idx="3">
+              <a:schemeClr val="accent2"/>
+            </a:fillRef>
+            <a:effectRef idx="2">
+              <a:schemeClr val="accent2"/>
+            </a:effectRef>
+            <a:fontRef idx="minor">
+              <a:schemeClr val="lt1"/>
+            </a:fontRef>
+          </p:style>
+          <p:txBody>
+            <a:bodyPr rtlCol="0" anchor="ctr"/>
+            <a:lstStyle/>
+            <a:p>
+              <a:pPr algn="ctr"/>
+              <a:endParaRPr lang="en-US" dirty="0"/>
+            </a:p>
+          </p:txBody>
+        </p:sp>
+        <p:sp>
+          <p:nvSpPr>
+            <p:cNvPr id="5" name="TextBox 4"/>
+            <p:cNvSpPr txBox="1"/>
+            <p:nvPr/>
+          </p:nvSpPr>
+          <p:spPr>
+            <a:xfrm>
+              <a:off x="1605776" y="4569604"/>
+              <a:ext cx="3704828" cy="400110"/>
+            </a:xfrm>
+            <a:prstGeom prst="rect">
+              <a:avLst/>
+            </a:prstGeom>
+            <a:noFill/>
+          </p:spPr>
+          <p:txBody>
+            <a:bodyPr wrap="square" rtlCol="0">
+              <a:spAutoFit/>
+            </a:bodyPr>
+            <a:lstStyle/>
+            <a:p>
+              <a:r>
+                <a:rPr lang="en-US" sz="2000" dirty="0" smtClean="0">
+                  <a:latin typeface="Times New Roman"/>
+                  <a:cs typeface="Times New Roman"/>
+                </a:rPr>
+                <a:t>A</a:t>
+              </a:r>
+              <a:r>
+                <a:rPr lang="en-US" sz="2000" dirty="0" smtClean="0">
+                  <a:latin typeface="Times New Roman"/>
+                  <a:cs typeface="Times New Roman"/>
+                </a:rPr>
+                <a:t>dult </a:t>
+              </a:r>
+              <a:r>
+                <a:rPr lang="en-US" sz="2000" dirty="0" smtClean="0">
+                  <a:latin typeface="Times New Roman"/>
+                  <a:cs typeface="Times New Roman"/>
+                </a:rPr>
+                <a:t>	        Shared           </a:t>
+              </a:r>
+              <a:r>
+                <a:rPr lang="en-US" sz="2000" dirty="0" smtClean="0">
+                  <a:latin typeface="Times New Roman"/>
+                  <a:cs typeface="Times New Roman"/>
+                </a:rPr>
+                <a:t>Larva</a:t>
+              </a:r>
+              <a:endParaRPr lang="en-US" sz="2000" dirty="0">
+                <a:latin typeface="Times New Roman"/>
+                <a:cs typeface="Times New Roman"/>
+              </a:endParaRPr>
+            </a:p>
+          </p:txBody>
+        </p:sp>
+        <p:sp>
+          <p:nvSpPr>
+            <p:cNvPr id="6" name="TextBox 5"/>
+            <p:cNvSpPr txBox="1"/>
+            <p:nvPr/>
+          </p:nvSpPr>
+          <p:spPr>
+            <a:xfrm>
+              <a:off x="1525231" y="5053371"/>
+              <a:ext cx="3786071" cy="400110"/>
+            </a:xfrm>
+            <a:prstGeom prst="rect">
+              <a:avLst/>
+            </a:prstGeom>
+            <a:noFill/>
+          </p:spPr>
+          <p:txBody>
+            <a:bodyPr wrap="square" rtlCol="0">
+              <a:spAutoFit/>
+            </a:bodyPr>
+            <a:lstStyle/>
+            <a:p>
+              <a:r>
+                <a:rPr lang="en-US" sz="1200" dirty="0" smtClean="0">
+                  <a:latin typeface="Times New Roman"/>
+                  <a:cs typeface="Times New Roman"/>
+                </a:rPr>
+                <a:t> </a:t>
+              </a:r>
+              <a:r>
+                <a:rPr lang="en-US" sz="2000" dirty="0" smtClean="0">
+                  <a:latin typeface="Times New Roman"/>
+                  <a:cs typeface="Times New Roman"/>
+                </a:rPr>
+                <a:t>30463 </a:t>
+              </a:r>
+              <a:r>
+                <a:rPr lang="en-US" sz="2000" dirty="0" smtClean="0">
+                  <a:latin typeface="Times New Roman"/>
+                  <a:cs typeface="Times New Roman"/>
+                </a:rPr>
+                <a:t>	          63950            </a:t>
+              </a:r>
+              <a:r>
+                <a:rPr lang="en-US" sz="2000" dirty="0">
+                  <a:latin typeface="Times New Roman"/>
+                  <a:cs typeface="Times New Roman"/>
+                </a:rPr>
+                <a:t>21243</a:t>
+              </a:r>
+              <a:endParaRPr lang="en-US" sz="2000" dirty="0">
+                <a:latin typeface="Times New Roman"/>
+                <a:cs typeface="Times New Roman"/>
+              </a:endParaRPr>
+            </a:p>
+          </p:txBody>
+        </p:sp>
+      </p:grpSp>
+    </p:spTree>
+    <p:extLst>
+      <p:ext uri="{BB962C8B-B14F-4D97-AF65-F5344CB8AC3E}">
+        <p14:creationId xmlns:p14="http://schemas.microsoft.com/office/powerpoint/2010/main" val="221116961"/>
       </p:ext>
     </p:extLst>
   </p:cSld>
